--- a/deliverables/presentation/vasanth/vasanth.pptx
+++ b/deliverables/presentation/vasanth/vasanth.pptx
@@ -24,20 +24,20 @@
   <p:notesSz cx="6858000" cy="9144000"/>
   <p:embeddedFontLst>
     <p:embeddedFont>
-      <p:font typeface="Calibri" panose="020F0502020204030204" pitchFamily="34" charset="0"/>
+      <p:font typeface="Calibri Light" panose="020F0302020204030204" pitchFamily="34" charset="0"/>
       <p:regular r:id="rId12"/>
-      <p:bold r:id="rId13"/>
-      <p:italic r:id="rId14"/>
-      <p:boldItalic r:id="rId15"/>
-    </p:embeddedFont>
-    <p:embeddedFont>
-      <p:font typeface="Calibri Light" panose="020F0302020204030204" pitchFamily="34" charset="0"/>
-      <p:regular r:id="rId16"/>
-      <p:italic r:id="rId17"/>
+      <p:italic r:id="rId13"/>
     </p:embeddedFont>
     <p:embeddedFont>
       <p:font typeface="Cambria Math" panose="02040503050406030204" pitchFamily="18" charset="0"/>
-      <p:regular r:id="rId18"/>
+      <p:regular r:id="rId14"/>
+    </p:embeddedFont>
+    <p:embeddedFont>
+      <p:font typeface="Calibri" panose="020F0502020204030204" pitchFamily="34" charset="0"/>
+      <p:regular r:id="rId15"/>
+      <p:bold r:id="rId16"/>
+      <p:italic r:id="rId17"/>
+      <p:boldItalic r:id="rId18"/>
     </p:embeddedFont>
   </p:embeddedFontLst>
   <p:defaultTextStyle>
@@ -137,7 +137,7 @@
   </p:defaultTextStyle>
   <p:extLst>
     <p:ext uri="{EFAFB233-063F-42B5-8137-9DF3F51BA10A}">
-      <p15:sldGuideLst xmlns="" xmlns:p15="http://schemas.microsoft.com/office/powerpoint/2012/main">
+      <p15:sldGuideLst xmlns:p15="http://schemas.microsoft.com/office/powerpoint/2012/main" xmlns="">
         <p15:guide id="1" orient="horz" pos="2160">
           <p15:clr>
             <a:srgbClr val="A4A3A4"/>
@@ -9473,7 +9473,11 @@
           <a:p>
             <a:r>
               <a:rPr lang="en-US" sz="1400" b="1" smtClean="0"/>
-              <a:t>82x speedup vs. parallel</a:t>
+              <a:t>82x speedup vs. </a:t>
+            </a:r>
+            <a:r>
+              <a:rPr lang="en-US" sz="1400" b="1" smtClean="0"/>
+              <a:t>serial</a:t>
             </a:r>
             <a:endParaRPr lang="en-US" sz="1400" b="1"/>
           </a:p>
